--- a/Lecture7/Lecture7Ex.pptx
+++ b/Lecture7/Lecture7Ex.pptx
@@ -115,6 +115,11 @@
       </a:defRPr>
     </a:lvl9pPr>
   </p:defaultTextStyle>
+  <p:extLst>
+    <p:ext uri="{EFAFB233-063F-42B5-8137-9DF3F51BA10A}">
+      <p15:sldGuideLst xmlns:p15="http://schemas.microsoft.com/office/powerpoint/2012/main"/>
+    </p:ext>
+  </p:extLst>
 </p:presentation>
 </file>
 
@@ -267,7 +272,7 @@
           <a:p>
             <a:fld id="{73B5443B-1936-4771-A7D6-9EA03FDF48D7}" type="datetimeFigureOut">
               <a:rPr lang="en-DK" smtClean="0"/>
-              <a:t>24/10/2021</a:t>
+              <a:t>25/10/2021</a:t>
             </a:fld>
             <a:endParaRPr lang="en-DK"/>
           </a:p>
@@ -467,7 +472,7 @@
           <a:p>
             <a:fld id="{73B5443B-1936-4771-A7D6-9EA03FDF48D7}" type="datetimeFigureOut">
               <a:rPr lang="en-DK" smtClean="0"/>
-              <a:t>24/10/2021</a:t>
+              <a:t>25/10/2021</a:t>
             </a:fld>
             <a:endParaRPr lang="en-DK"/>
           </a:p>
@@ -677,7 +682,7 @@
           <a:p>
             <a:fld id="{73B5443B-1936-4771-A7D6-9EA03FDF48D7}" type="datetimeFigureOut">
               <a:rPr lang="en-DK" smtClean="0"/>
-              <a:t>24/10/2021</a:t>
+              <a:t>25/10/2021</a:t>
             </a:fld>
             <a:endParaRPr lang="en-DK"/>
           </a:p>
@@ -877,7 +882,7 @@
           <a:p>
             <a:fld id="{73B5443B-1936-4771-A7D6-9EA03FDF48D7}" type="datetimeFigureOut">
               <a:rPr lang="en-DK" smtClean="0"/>
-              <a:t>24/10/2021</a:t>
+              <a:t>25/10/2021</a:t>
             </a:fld>
             <a:endParaRPr lang="en-DK"/>
           </a:p>
@@ -1153,7 +1158,7 @@
           <a:p>
             <a:fld id="{73B5443B-1936-4771-A7D6-9EA03FDF48D7}" type="datetimeFigureOut">
               <a:rPr lang="en-DK" smtClean="0"/>
-              <a:t>24/10/2021</a:t>
+              <a:t>25/10/2021</a:t>
             </a:fld>
             <a:endParaRPr lang="en-DK"/>
           </a:p>
@@ -1421,7 +1426,7 @@
           <a:p>
             <a:fld id="{73B5443B-1936-4771-A7D6-9EA03FDF48D7}" type="datetimeFigureOut">
               <a:rPr lang="en-DK" smtClean="0"/>
-              <a:t>24/10/2021</a:t>
+              <a:t>25/10/2021</a:t>
             </a:fld>
             <a:endParaRPr lang="en-DK"/>
           </a:p>
@@ -1836,7 +1841,7 @@
           <a:p>
             <a:fld id="{73B5443B-1936-4771-A7D6-9EA03FDF48D7}" type="datetimeFigureOut">
               <a:rPr lang="en-DK" smtClean="0"/>
-              <a:t>24/10/2021</a:t>
+              <a:t>25/10/2021</a:t>
             </a:fld>
             <a:endParaRPr lang="en-DK"/>
           </a:p>
@@ -1978,7 +1983,7 @@
           <a:p>
             <a:fld id="{73B5443B-1936-4771-A7D6-9EA03FDF48D7}" type="datetimeFigureOut">
               <a:rPr lang="en-DK" smtClean="0"/>
-              <a:t>24/10/2021</a:t>
+              <a:t>25/10/2021</a:t>
             </a:fld>
             <a:endParaRPr lang="en-DK"/>
           </a:p>
@@ -2091,7 +2096,7 @@
           <a:p>
             <a:fld id="{73B5443B-1936-4771-A7D6-9EA03FDF48D7}" type="datetimeFigureOut">
               <a:rPr lang="en-DK" smtClean="0"/>
-              <a:t>24/10/2021</a:t>
+              <a:t>25/10/2021</a:t>
             </a:fld>
             <a:endParaRPr lang="en-DK"/>
           </a:p>
@@ -2404,7 +2409,7 @@
           <a:p>
             <a:fld id="{73B5443B-1936-4771-A7D6-9EA03FDF48D7}" type="datetimeFigureOut">
               <a:rPr lang="en-DK" smtClean="0"/>
-              <a:t>24/10/2021</a:t>
+              <a:t>25/10/2021</a:t>
             </a:fld>
             <a:endParaRPr lang="en-DK"/>
           </a:p>
@@ -2693,7 +2698,7 @@
           <a:p>
             <a:fld id="{73B5443B-1936-4771-A7D6-9EA03FDF48D7}" type="datetimeFigureOut">
               <a:rPr lang="en-DK" smtClean="0"/>
-              <a:t>24/10/2021</a:t>
+              <a:t>25/10/2021</a:t>
             </a:fld>
             <a:endParaRPr lang="en-DK"/>
           </a:p>
@@ -2936,7 +2941,7 @@
           <a:p>
             <a:fld id="{73B5443B-1936-4771-A7D6-9EA03FDF48D7}" type="datetimeFigureOut">
               <a:rPr lang="en-DK" smtClean="0"/>
-              <a:t>24/10/2021</a:t>
+              <a:t>25/10/2021</a:t>
             </a:fld>
             <a:endParaRPr lang="en-DK"/>
           </a:p>
@@ -3713,6 +3718,13 @@
             </a:r>
           </a:p>
           <a:p>
+            <a:pPr lvl="1"/>
+            <a:r>
+              <a:rPr lang="en-US" dirty="0"/>
+              <a:t>Find the positive and negative words first and put them into HDFS</a:t>
+            </a:r>
+          </a:p>
+          <a:p>
             <a:r>
               <a:rPr lang="en-US" dirty="0"/>
               <a:t>Bonus points for putting the result into HBase</a:t>
@@ -3721,7 +3733,23 @@
           <a:p>
             <a:r>
               <a:rPr lang="en-US" dirty="0"/>
-              <a:t>Optional: create a Python program that reads the Hive result and inserts it into HBase automatically</a:t>
+              <a:t>Optional: create a Python program that reads the Hive result and inserts it into </a:t>
+            </a:r>
+            <a:r>
+              <a:rPr lang="en-US" dirty="0" err="1"/>
+              <a:t>Hbase</a:t>
+            </a:r>
+            <a:endParaRPr lang="en-US"/>
+          </a:p>
+          <a:p>
+            <a:pPr lvl="1"/>
+            <a:r>
+              <a:rPr lang="en-US"/>
+              <a:t>Different </a:t>
+            </a:r>
+            <a:r>
+              <a:rPr lang="en-US" dirty="0"/>
+              <a:t>solutions: ODBC driver, Thrift or REST API</a:t>
             </a:r>
             <a:endParaRPr lang="en-DK" dirty="0"/>
           </a:p>
@@ -3871,11 +3899,7 @@
           <a:p>
             <a:r>
               <a:rPr lang="en-US" dirty="0"/>
-              <a:t>Rinse and repeat </a:t>
-            </a:r>
-            <a:r>
-              <a:rPr lang="en-US"/>
-              <a:t>with negative words</a:t>
+              <a:t>Rinse and repeat with negative words</a:t>
             </a:r>
             <a:endParaRPr lang="en-DK" dirty="0"/>
           </a:p>
@@ -3985,7 +4009,7 @@
           <a:p>
             <a:r>
               <a:rPr lang="en-US" dirty="0"/>
-              <a:t>Starts an instance of Hive (3 containers)</a:t>
+              <a:t>Starts an instance of Hive (4 containers)</a:t>
             </a:r>
           </a:p>
           <a:p>
@@ -4922,7 +4946,7 @@
             <a:pPr lvl="1"/>
             <a:r>
               <a:rPr lang="en-US" dirty="0"/>
-              <a:t>SELECT INPUT__FILE__NAME FROM lines GROUP BY INPUT__FILE__NAME;</a:t>
+              <a:t>“SELECT INPUT__FILE__NAME FROM lines GROUP BY INPUT__FILE__NAME;”</a:t>
             </a:r>
             <a:endParaRPr lang="en-DK" dirty="0"/>
           </a:p>
